--- a/CG2021_11_02.pptx
+++ b/CG2021_11_02.pptx
@@ -2559,7 +2559,33 @@
                 <a:ea typeface="Noto Sans S Chinese Regular" charset="-122"/>
                 <a:cs typeface="Noto Sans S Chinese Regular" charset="-122"/>
               </a:rPr>
-              <a:t>起飞和降落阶段位于平坦的机场，周未设置房屋等障碍物；飞行途中需避开山体、高楼等障碍物，如果碰撞会产生爆炸效果</a:t>
+              <a:t>起飞和降落阶段位于平坦的机场，周</a:t>
+            </a:r>
+            <a:r>
+              <a:rPr lang="zh-CN" altLang="en-US" sz="1600" dirty="0">
+                <a:solidFill>
+                  <a:srgbClr val="000000">
+                    <a:alpha val="100000"/>
+                  </a:srgbClr>
+                </a:solidFill>
+                <a:latin typeface="Noto Sans S Chinese Regular" charset="-122"/>
+                <a:ea typeface="Noto Sans S Chinese Regular" charset="-122"/>
+                <a:cs typeface="Noto Sans S Chinese Regular" charset="-122"/>
+              </a:rPr>
+              <a:t>围</a:t>
+            </a:r>
+            <a:r>
+              <a:rPr lang="zh-CN" altLang="en-US" sz="1600" b="0" i="0" u="none" spc="0" dirty="0">
+                <a:solidFill>
+                  <a:srgbClr val="000000">
+                    <a:alpha val="100000"/>
+                  </a:srgbClr>
+                </a:solidFill>
+                <a:latin typeface="Noto Sans S Chinese Regular" charset="-122"/>
+                <a:ea typeface="Noto Sans S Chinese Regular" charset="-122"/>
+                <a:cs typeface="Noto Sans S Chinese Regular" charset="-122"/>
+              </a:rPr>
+              <a:t>设置房屋等障碍物；飞行途中需避开山体、高楼等障碍物，如果碰撞会产生爆炸效果</a:t>
             </a:r>
             <a:endParaRPr kumimoji="1" lang="zh-CN" altLang="en-US" sz="2400" dirty="0">
               <a:solidFill>
